--- a/documentation/presentation.pptx
+++ b/documentation/presentation.pptx
@@ -117,6 +117,11 @@
       </a:defRPr>
     </a:lvl9pPr>
   </p:defaultTextStyle>
+  <p:extLst>
+    <p:ext uri="{EFAFB233-063F-42B5-8137-9DF3F51BA10A}">
+      <p15:sldGuideLst xmlns:p15="http://schemas.microsoft.com/office/powerpoint/2012/main"/>
+    </p:ext>
+  </p:extLst>
 </p:presentation>
 </file>
 
@@ -253,7 +258,7 @@
           <a:p>
             <a:fld id="{92DB77DC-8603-445B-90E6-B36DF04A9E41}" type="datetimeFigureOut">
               <a:rPr lang="en-US" smtClean="0"/>
-              <a:t>5/14/2017</a:t>
+              <a:t>5/15/2017</a:t>
             </a:fld>
             <a:endParaRPr lang="en-US"/>
           </a:p>
@@ -421,7 +426,7 @@
           <a:p>
             <a:fld id="{92DB77DC-8603-445B-90E6-B36DF04A9E41}" type="datetimeFigureOut">
               <a:rPr lang="en-US" smtClean="0"/>
-              <a:t>5/14/2017</a:t>
+              <a:t>5/15/2017</a:t>
             </a:fld>
             <a:endParaRPr lang="en-US"/>
           </a:p>
@@ -599,7 +604,7 @@
           <a:p>
             <a:fld id="{92DB77DC-8603-445B-90E6-B36DF04A9E41}" type="datetimeFigureOut">
               <a:rPr lang="en-US" smtClean="0"/>
-              <a:t>5/14/2017</a:t>
+              <a:t>5/15/2017</a:t>
             </a:fld>
             <a:endParaRPr lang="en-US"/>
           </a:p>
@@ -767,7 +772,7 @@
           <a:p>
             <a:fld id="{92DB77DC-8603-445B-90E6-B36DF04A9E41}" type="datetimeFigureOut">
               <a:rPr lang="en-US" smtClean="0"/>
-              <a:t>5/14/2017</a:t>
+              <a:t>5/15/2017</a:t>
             </a:fld>
             <a:endParaRPr lang="en-US"/>
           </a:p>
@@ -1012,7 +1017,7 @@
           <a:p>
             <a:fld id="{92DB77DC-8603-445B-90E6-B36DF04A9E41}" type="datetimeFigureOut">
               <a:rPr lang="en-US" smtClean="0"/>
-              <a:t>5/14/2017</a:t>
+              <a:t>5/15/2017</a:t>
             </a:fld>
             <a:endParaRPr lang="en-US"/>
           </a:p>
@@ -1241,7 +1246,7 @@
           <a:p>
             <a:fld id="{92DB77DC-8603-445B-90E6-B36DF04A9E41}" type="datetimeFigureOut">
               <a:rPr lang="en-US" smtClean="0"/>
-              <a:t>5/14/2017</a:t>
+              <a:t>5/15/2017</a:t>
             </a:fld>
             <a:endParaRPr lang="en-US"/>
           </a:p>
@@ -1605,7 +1610,7 @@
           <a:p>
             <a:fld id="{92DB77DC-8603-445B-90E6-B36DF04A9E41}" type="datetimeFigureOut">
               <a:rPr lang="en-US" smtClean="0"/>
-              <a:t>5/14/2017</a:t>
+              <a:t>5/15/2017</a:t>
             </a:fld>
             <a:endParaRPr lang="en-US"/>
           </a:p>
@@ -1722,7 +1727,7 @@
           <a:p>
             <a:fld id="{92DB77DC-8603-445B-90E6-B36DF04A9E41}" type="datetimeFigureOut">
               <a:rPr lang="en-US" smtClean="0"/>
-              <a:t>5/14/2017</a:t>
+              <a:t>5/15/2017</a:t>
             </a:fld>
             <a:endParaRPr lang="en-US"/>
           </a:p>
@@ -1817,7 +1822,7 @@
           <a:p>
             <a:fld id="{92DB77DC-8603-445B-90E6-B36DF04A9E41}" type="datetimeFigureOut">
               <a:rPr lang="en-US" smtClean="0"/>
-              <a:t>5/14/2017</a:t>
+              <a:t>5/15/2017</a:t>
             </a:fld>
             <a:endParaRPr lang="en-US"/>
           </a:p>
@@ -2092,7 +2097,7 @@
           <a:p>
             <a:fld id="{92DB77DC-8603-445B-90E6-B36DF04A9E41}" type="datetimeFigureOut">
               <a:rPr lang="en-US" smtClean="0"/>
-              <a:t>5/14/2017</a:t>
+              <a:t>5/15/2017</a:t>
             </a:fld>
             <a:endParaRPr lang="en-US"/>
           </a:p>
@@ -2344,7 +2349,7 @@
           <a:p>
             <a:fld id="{92DB77DC-8603-445B-90E6-B36DF04A9E41}" type="datetimeFigureOut">
               <a:rPr lang="en-US" smtClean="0"/>
-              <a:t>5/14/2017</a:t>
+              <a:t>5/15/2017</a:t>
             </a:fld>
             <a:endParaRPr lang="en-US"/>
           </a:p>
@@ -2555,7 +2560,7 @@
           <a:p>
             <a:fld id="{92DB77DC-8603-445B-90E6-B36DF04A9E41}" type="datetimeFigureOut">
               <a:rPr lang="en-US" smtClean="0"/>
-              <a:t>5/14/2017</a:t>
+              <a:t>5/15/2017</a:t>
             </a:fld>
             <a:endParaRPr lang="en-US"/>
           </a:p>
@@ -4263,15 +4268,15 @@
             </a:r>
             <a:r>
               <a:rPr lang="en-US" dirty="0"/>
-              <a:t> because it would be expensive to go to </a:t>
-            </a:r>
-            <a:r>
-              <a:rPr lang="en-US" dirty="0" err="1"/>
-              <a:t>db</a:t>
+              <a:t> because doing in the browser was faster/easier</a:t>
+            </a:r>
+            <a:r>
+              <a:rPr lang="en-US"/>
+              <a:t>/friendlier </a:t>
             </a:r>
             <a:r>
               <a:rPr lang="en-US" dirty="0"/>
-              <a:t>, get records, then return results. Doing in browser is fast</a:t>
+              <a:t>than making explicit calls to server</a:t>
             </a:r>
           </a:p>
         </p:txBody>
